--- a/public/Images1.pptx
+++ b/public/Images1.pptx
@@ -104,6 +104,11 @@
       </a:defRPr>
     </a:lvl9pPr>
   </p:defaultTextStyle>
+  <p:extLst>
+    <p:ext uri="{EFAFB233-063F-42B5-8137-9DF3F51BA10A}">
+      <p15:sldGuideLst xmlns:p15="http://schemas.microsoft.com/office/powerpoint/2012/main"/>
+    </p:ext>
+  </p:extLst>
 </p:presentation>
 </file>
 
@@ -3365,7 +3370,7 @@
         </p:nvSpPr>
         <p:spPr>
           <a:xfrm>
-            <a:off x="4343399" y="4029075"/>
+            <a:off x="4343399" y="3962166"/>
             <a:ext cx="3695701" cy="933450"/>
           </a:xfrm>
           <a:prstGeom prst="rect">
@@ -3435,149 +3440,76 @@
           </a:p>
         </p:txBody>
       </p:sp>
-      <mc:AlternateContent xmlns:mc="http://schemas.openxmlformats.org/markup-compatibility/2006">
-        <mc:Choice xmlns:a14="http://schemas.microsoft.com/office/drawing/2010/main" Requires="a14">
-          <p:sp>
-            <p:nvSpPr>
-              <p:cNvPr id="7" name="Rectangle 6">
-                <a:extLst>
-                  <a:ext uri="{FF2B5EF4-FFF2-40B4-BE49-F238E27FC236}">
-                    <a16:creationId xmlns:a16="http://schemas.microsoft.com/office/drawing/2014/main" id="{99C7CF0C-1F7E-F3D7-A341-194E4A60FF3D}"/>
-                  </a:ext>
-                </a:extLst>
-              </p:cNvPr>
-              <p:cNvSpPr/>
-              <p:nvPr/>
-            </p:nvSpPr>
-            <p:spPr>
-              <a:xfrm>
-                <a:off x="4248149" y="2628900"/>
-                <a:ext cx="3695701" cy="1400175"/>
-              </a:xfrm>
-              <a:prstGeom prst="rect">
-                <a:avLst/>
-              </a:prstGeom>
-              <a:solidFill>
-                <a:srgbClr val="0F1B3A"/>
-              </a:solidFill>
-              <a:ln>
-                <a:noFill/>
-              </a:ln>
-            </p:spPr>
-            <p:style>
-              <a:lnRef idx="2">
-                <a:schemeClr val="accent1">
-                  <a:shade val="50000"/>
-                </a:schemeClr>
-              </a:lnRef>
-              <a:fillRef idx="1">
-                <a:schemeClr val="accent1"/>
-              </a:fillRef>
-              <a:effectRef idx="0">
-                <a:schemeClr val="accent1"/>
-              </a:effectRef>
-              <a:fontRef idx="minor">
-                <a:schemeClr val="lt1"/>
-              </a:fontRef>
-            </p:style>
-            <p:txBody>
-              <a:bodyPr rtlCol="0" anchor="ctr"/>
-              <a:lstStyle/>
-              <a:p>
-                <a:pPr algn="ctr"/>
-                <a14:m>
-                  <m:oMath xmlns:m="http://schemas.openxmlformats.org/officeDocument/2006/math">
-                    <m:r>
-                      <a:rPr lang="en-US" sz="4800" b="1" i="0" dirty="0" smtClean="0">
-                        <a:solidFill>
-                          <a:srgbClr val="FFFDFF"/>
-                        </a:solidFill>
-                        <a:latin typeface="Cambria Math" panose="02040503050406030204" pitchFamily="18" charset="0"/>
-                        <a:cs typeface="Times New Roman" panose="02020603050405020304" pitchFamily="18" charset="0"/>
-                      </a:rPr>
-                      <m:t>𝚷</m:t>
-                    </m:r>
-                  </m:oMath>
-                </a14:m>
-                <a:r>
-                  <a:rPr lang="en-US" sz="4800" b="1" dirty="0">
-                    <a:solidFill>
-                      <a:srgbClr val="FFFDFF"/>
-                    </a:solidFill>
-                    <a:latin typeface="Times" pitchFamily="2" charset="0"/>
-                    <a:cs typeface="Felix Titling" panose="020F0502020204030204" pitchFamily="34" charset="0"/>
-                  </a:rPr>
-                  <a:t>-</a:t>
-                </a:r>
-                <a:r>
-                  <a:rPr lang="en-US" sz="4800" b="1" dirty="0" err="1">
-                    <a:solidFill>
-                      <a:srgbClr val="FFFDFF"/>
-                    </a:solidFill>
-                    <a:latin typeface="Times" pitchFamily="2" charset="0"/>
-                    <a:cs typeface="Felix Titling" panose="020F0502020204030204" pitchFamily="34" charset="0"/>
-                  </a:rPr>
-                  <a:t>CoLab</a:t>
-                </a:r>
-                <a:endParaRPr lang="en-US" sz="4800" b="1" dirty="0">
-                  <a:solidFill>
-                    <a:srgbClr val="FFFDFF"/>
-                  </a:solidFill>
-                  <a:latin typeface="Times" pitchFamily="2" charset="0"/>
-                  <a:cs typeface="Felix Titling" panose="020F0502020204030204" pitchFamily="34" charset="0"/>
-                </a:endParaRPr>
-              </a:p>
-            </p:txBody>
-          </p:sp>
-        </mc:Choice>
-        <mc:Fallback>
-          <p:sp>
-            <p:nvSpPr>
-              <p:cNvPr id="7" name="Rectangle 6">
-                <a:extLst>
-                  <a:ext uri="{FF2B5EF4-FFF2-40B4-BE49-F238E27FC236}">
-                    <a16:creationId xmlns:a16="http://schemas.microsoft.com/office/drawing/2014/main" id="{99C7CF0C-1F7E-F3D7-A341-194E4A60FF3D}"/>
-                  </a:ext>
-                </a:extLst>
-              </p:cNvPr>
-              <p:cNvSpPr>
-                <a:spLocks noRot="1" noChangeAspect="1" noMove="1" noResize="1" noEditPoints="1" noAdjustHandles="1" noChangeArrowheads="1" noChangeShapeType="1" noTextEdit="1"/>
-              </p:cNvSpPr>
-              <p:nvPr/>
-            </p:nvSpPr>
-            <p:spPr>
-              <a:xfrm>
-                <a:off x="4248149" y="2628900"/>
-                <a:ext cx="3695701" cy="1400175"/>
-              </a:xfrm>
-              <a:prstGeom prst="rect">
-                <a:avLst/>
-              </a:prstGeom>
-              <a:blipFill>
-                <a:blip r:embed="rId3"/>
-                <a:stretch>
-                  <a:fillRect b="-2679"/>
-                </a:stretch>
-              </a:blipFill>
-              <a:ln>
-                <a:noFill/>
-              </a:ln>
-            </p:spPr>
-            <p:txBody>
-              <a:bodyPr/>
-              <a:lstStyle/>
-              <a:p>
-                <a:r>
-                  <a:rPr lang="en-US">
-                    <a:noFill/>
-                  </a:rPr>
-                  <a:t> </a:t>
-                </a:r>
-              </a:p>
-            </p:txBody>
-          </p:sp>
-        </mc:Fallback>
-      </mc:AlternateContent>
+      <p:sp>
+        <p:nvSpPr>
+          <p:cNvPr id="7" name="Rectangle 6">
+            <a:extLst>
+              <a:ext uri="{FF2B5EF4-FFF2-40B4-BE49-F238E27FC236}">
+                <a16:creationId xmlns:a16="http://schemas.microsoft.com/office/drawing/2014/main" id="{99C7CF0C-1F7E-F3D7-A341-194E4A60FF3D}"/>
+              </a:ext>
+            </a:extLst>
+          </p:cNvPr>
+          <p:cNvSpPr/>
+          <p:nvPr/>
+        </p:nvSpPr>
+        <p:spPr>
+          <a:xfrm>
+            <a:off x="4259770" y="2962274"/>
+            <a:ext cx="3311906" cy="933451"/>
+          </a:xfrm>
+          <a:prstGeom prst="rect">
+            <a:avLst/>
+          </a:prstGeom>
+          <a:solidFill>
+            <a:srgbClr val="0F1B3A"/>
+          </a:solidFill>
+          <a:ln>
+            <a:noFill/>
+          </a:ln>
+        </p:spPr>
+        <p:style>
+          <a:lnRef idx="2">
+            <a:schemeClr val="accent1">
+              <a:shade val="50000"/>
+            </a:schemeClr>
+          </a:lnRef>
+          <a:fillRef idx="1">
+            <a:schemeClr val="accent1"/>
+          </a:fillRef>
+          <a:effectRef idx="0">
+            <a:schemeClr val="accent1"/>
+          </a:effectRef>
+          <a:fontRef idx="minor">
+            <a:schemeClr val="lt1"/>
+          </a:fontRef>
+        </p:style>
+        <p:txBody>
+          <a:bodyPr rtlCol="0" anchor="ctr"/>
+          <a:lstStyle/>
+          <a:p>
+            <a:r>
+              <a:rPr lang="en-US" sz="4800" dirty="0">
+                <a:solidFill>
+                  <a:srgbClr val="FFFDFF"/>
+                </a:solidFill>
+                <a:latin typeface="Times" pitchFamily="2" charset="0"/>
+                <a:cs typeface="Felix Titling" panose="020F0502020204030204" pitchFamily="34" charset="0"/>
+              </a:rPr>
+              <a:t>𝝥-</a:t>
+            </a:r>
+            <a:r>
+              <a:rPr lang="en-US" sz="4800" dirty="0">
+                <a:solidFill>
+                  <a:srgbClr val="FFFDFF"/>
+                </a:solidFill>
+                <a:latin typeface="Avenir Next LT Pro" panose="020B0504020202020204" pitchFamily="34" charset="77"/>
+                <a:cs typeface="Felix Titling" panose="020F0502020204030204" pitchFamily="34" charset="0"/>
+              </a:rPr>
+              <a:t>COLAB</a:t>
+            </a:r>
+          </a:p>
+        </p:txBody>
+      </p:sp>
     </p:spTree>
     <p:extLst>
       <p:ext uri="{BB962C8B-B14F-4D97-AF65-F5344CB8AC3E}">
